--- a/FactCheckThisBitch.Admin.Windows/data/template.pptx
+++ b/FactCheckThisBitch.Admin.Windows/data/template.pptx
@@ -4017,7 +4017,7 @@
       </p:grpSpPr>
       <p:pic>
         <p:nvPicPr>
-          <p:cNvPr id="4" name="empty puzzle" descr="A picture containing text&#10;&#10;Description automatically generated">
+          <p:cNvPr id="4" name="empty_puzzle" descr="A picture containing text&#10;&#10;Description automatically generated">
             <a:extLst>
               <a:ext uri="{FF2B5EF4-FFF2-40B4-BE49-F238E27FC236}">
                 <a16:creationId xmlns:a16="http://schemas.microsoft.com/office/drawing/2014/main" id="{8226FD8F-09D7-4261-B420-0527964C0ED6}"/>
@@ -4053,7 +4053,7 @@
       </p:pic>
       <p:pic>
         <p:nvPicPr>
-          <p:cNvPr id="11" name="puzzle_piece" descr="A picture containing text&#10;&#10;Description automatically generated">
+          <p:cNvPr id="11" name="puzzle_piece" descr="A picture containing text&#10;&#10;Description automatically generated" hidden="1">
             <a:extLst>
               <a:ext uri="{FF2B5EF4-FFF2-40B4-BE49-F238E27FC236}">
                 <a16:creationId xmlns:a16="http://schemas.microsoft.com/office/drawing/2014/main" id="{EA252126-12A0-4897-AE40-C936B90DCAE2}"/>
@@ -4089,7 +4089,7 @@
       </p:pic>
       <p:grpSp>
         <p:nvGrpSpPr>
-          <p:cNvPr id="12" name="group_metadata">
+          <p:cNvPr id="12" name="group_metadata" hidden="1">
             <a:extLst>
               <a:ext uri="{FF2B5EF4-FFF2-40B4-BE49-F238E27FC236}">
                 <a16:creationId xmlns:a16="http://schemas.microsoft.com/office/drawing/2014/main" id="{130668A8-A469-4EEB-B2E4-103CD08A6A3C}"/>
